--- a/presentatie.pptx
+++ b/presentatie.pptx
@@ -10065,6 +10065,17 @@
               <a:rPr lang="nl-BE" dirty="0"/>
               <a:t>API-tokens</a:t>
             </a:r>
+          </a:p>
+          <a:p>
+            <a:r>
+              <a:rPr lang="nl-BE" dirty="0"/>
+              <a:t>Visualisatie met Google </a:t>
+            </a:r>
+            <a:r>
+              <a:rPr lang="nl-BE"/>
+              <a:t>Charts</a:t>
+            </a:r>
+            <a:endParaRPr lang="nl-BE" dirty="0"/>
           </a:p>
           <a:p>
             <a:endParaRPr lang="nl-BE" dirty="0"/>

--- a/presentatie.pptx
+++ b/presentatie.pptx
@@ -10072,7 +10072,7 @@
               <a:t>Visualisatie met Google </a:t>
             </a:r>
             <a:r>
-              <a:rPr lang="nl-BE"/>
+              <a:rPr lang="nl-BE" dirty="0" err="1"/>
               <a:t>Charts</a:t>
             </a:r>
             <a:endParaRPr lang="nl-BE" dirty="0"/>
@@ -10210,6 +10210,13 @@
             </a:r>
           </a:p>
           <a:p>
+            <a:pPr lvl="1"/>
+            <a:r>
+              <a:rPr lang="nl-BE" dirty="0"/>
+              <a:t>Registreer – wachtwoord vergeten</a:t>
+            </a:r>
+          </a:p>
+          <a:p>
             <a:r>
               <a:rPr lang="nl-BE" dirty="0"/>
               <a:t>Haal gebruikersgegevens</a:t>
@@ -10252,10 +10259,9 @@
           <a:p>
             <a:pPr lvl="1"/>
             <a:r>
-              <a:rPr lang="nl-BE"/>
+              <a:rPr lang="nl-BE" dirty="0"/>
               <a:t>Google Datastore</a:t>
             </a:r>
-            <a:endParaRPr lang="nl-BE" dirty="0"/>
           </a:p>
         </p:txBody>
       </p:sp>
@@ -10347,6 +10353,16 @@
             <a:r>
               <a:rPr lang="nl-BE" dirty="0"/>
               <a:t> (REST)</a:t>
+            </a:r>
+          </a:p>
+          <a:p>
+            <a:pPr lvl="1"/>
+            <a:endParaRPr lang="nl-BE" dirty="0"/>
+          </a:p>
+          <a:p>
+            <a:r>
+              <a:rPr lang="nl-BE" dirty="0"/>
+              <a:t>PHP Mailservice</a:t>
             </a:r>
           </a:p>
         </p:txBody>

--- a/presentatie.pptx
+++ b/presentatie.pptx
@@ -7,10 +7,10 @@
     <p:sldMasterId id="2147483720" r:id="rId3"/>
   </p:sldMasterIdLst>
   <p:notesMasterIdLst>
-    <p:notesMasterId r:id="rId10"/>
+    <p:notesMasterId r:id="rId11"/>
   </p:notesMasterIdLst>
   <p:handoutMasterIdLst>
-    <p:handoutMasterId r:id="rId11"/>
+    <p:handoutMasterId r:id="rId12"/>
   </p:handoutMasterIdLst>
   <p:sldIdLst>
     <p:sldId id="256" r:id="rId4"/>
@@ -18,7 +18,8 @@
     <p:sldId id="259" r:id="rId6"/>
     <p:sldId id="260" r:id="rId7"/>
     <p:sldId id="261" r:id="rId8"/>
-    <p:sldId id="262" r:id="rId9"/>
+    <p:sldId id="263" r:id="rId9"/>
+    <p:sldId id="262" r:id="rId10"/>
   </p:sldIdLst>
   <p:sldSz cx="9144000" cy="6858000" type="screen4x3"/>
   <p:notesSz cx="6858000" cy="9144000"/>
@@ -243,7 +244,7 @@
                 <a:cs typeface="Arial" pitchFamily="34" charset="0"/>
               </a:rPr>
               <a:pPr/>
-              <a:t>17/06/2017</a:t>
+              <a:t>18/06/2017</a:t>
             </a:fld>
             <a:endParaRPr lang="nl-BE" sz="1000">
               <a:latin typeface="Arial" pitchFamily="34" charset="0"/>
@@ -422,7 +423,7 @@
             <a:fld id="{7AF0A2F9-EF49-41B3-9E69-7CDBDC14786A}" type="datetimeFigureOut">
               <a:rPr lang="nl-BE" smtClean="0"/>
               <a:pPr/>
-              <a:t>17/06/2017</a:t>
+              <a:t>18/06/2017</a:t>
             </a:fld>
             <a:endParaRPr lang="nl-BE"/>
           </a:p>
@@ -695,6 +696,91 @@
     </a:lvl9pPr>
   </p:notesStyle>
 </p:notesMaster>
+</file>
+
+<file path=ppt/notesSlides/notesSlide1.xml><?xml version="1.0" encoding="utf-8"?>
+<p:notes xmlns:a="http://schemas.openxmlformats.org/drawingml/2006/main" xmlns:r="http://schemas.openxmlformats.org/officeDocument/2006/relationships" xmlns:p="http://schemas.openxmlformats.org/presentationml/2006/main">
+  <p:cSld>
+    <p:spTree>
+      <p:nvGrpSpPr>
+        <p:cNvPr id="1" name=""/>
+        <p:cNvGrpSpPr/>
+        <p:nvPr/>
+      </p:nvGrpSpPr>
+      <p:grpSpPr>
+        <a:xfrm>
+          <a:off x="0" y="0"/>
+          <a:ext cx="0" cy="0"/>
+          <a:chOff x="0" y="0"/>
+          <a:chExt cx="0" cy="0"/>
+        </a:xfrm>
+      </p:grpSpPr>
+      <p:sp>
+        <p:nvSpPr>
+          <p:cNvPr id="2" name="Tijdelijke aanduiding voor dia-afbeelding 1"/>
+          <p:cNvSpPr>
+            <a:spLocks noGrp="1" noRot="1" noChangeAspect="1"/>
+          </p:cNvSpPr>
+          <p:nvPr>
+            <p:ph type="sldImg"/>
+          </p:nvPr>
+        </p:nvSpPr>
+        <p:spPr/>
+      </p:sp>
+      <p:sp>
+        <p:nvSpPr>
+          <p:cNvPr id="3" name="Tijdelijke aanduiding voor notities 2"/>
+          <p:cNvSpPr>
+            <a:spLocks noGrp="1"/>
+          </p:cNvSpPr>
+          <p:nvPr>
+            <p:ph type="body" idx="1"/>
+          </p:nvPr>
+        </p:nvSpPr>
+        <p:spPr/>
+        <p:txBody>
+          <a:bodyPr/>
+          <a:lstStyle/>
+          <a:p>
+            <a:endParaRPr lang="de-DE" dirty="0"/>
+          </a:p>
+        </p:txBody>
+      </p:sp>
+      <p:sp>
+        <p:nvSpPr>
+          <p:cNvPr id="4" name="Tijdelijke aanduiding voor dianummer 3"/>
+          <p:cNvSpPr>
+            <a:spLocks noGrp="1"/>
+          </p:cNvSpPr>
+          <p:nvPr>
+            <p:ph type="sldNum" sz="quarter" idx="10"/>
+          </p:nvPr>
+        </p:nvSpPr>
+        <p:spPr/>
+        <p:txBody>
+          <a:bodyPr/>
+          <a:lstStyle/>
+          <a:p>
+            <a:fld id="{17C257C2-8D60-4760-88CB-024AF3EEC641}" type="slidenum">
+              <a:rPr lang="nl-BE" smtClean="0"/>
+              <a:pPr/>
+              <a:t>4</a:t>
+            </a:fld>
+            <a:endParaRPr lang="nl-BE"/>
+          </a:p>
+        </p:txBody>
+      </p:sp>
+    </p:spTree>
+    <p:extLst>
+      <p:ext uri="{BB962C8B-B14F-4D97-AF65-F5344CB8AC3E}">
+        <p14:creationId xmlns:p14="http://schemas.microsoft.com/office/powerpoint/2010/main" val="4213307521"/>
+      </p:ext>
+    </p:extLst>
+  </p:cSld>
+  <p:clrMapOvr>
+    <a:masterClrMapping/>
+  </p:clrMapOvr>
+</p:notes>
 </file>
 
 <file path=ppt/slideLayouts/slideLayout1.xml><?xml version="1.0" encoding="utf-8"?>
@@ -1435,7 +1521,7 @@
             <a:fld id="{C4DDCD72-59EE-436D-B435-201699A5BB49}" type="datetimeFigureOut">
               <a:rPr lang="nl-BE" smtClean="0"/>
               <a:pPr/>
-              <a:t>17/06/2017</a:t>
+              <a:t>18/06/2017</a:t>
             </a:fld>
             <a:endParaRPr lang="nl-BE" dirty="0"/>
           </a:p>
@@ -2135,7 +2221,7 @@
             <a:fld id="{C4DDCD72-59EE-436D-B435-201699A5BB49}" type="datetimeFigureOut">
               <a:rPr lang="nl-BE" smtClean="0"/>
               <a:pPr/>
-              <a:t>17/06/2017</a:t>
+              <a:t>18/06/2017</a:t>
             </a:fld>
             <a:endParaRPr lang="nl-BE"/>
           </a:p>
@@ -2578,7 +2664,7 @@
             <a:fld id="{C4DDCD72-59EE-436D-B435-201699A5BB49}" type="datetimeFigureOut">
               <a:rPr lang="nl-BE" smtClean="0"/>
               <a:pPr/>
-              <a:t>17/06/2017</a:t>
+              <a:t>18/06/2017</a:t>
             </a:fld>
             <a:endParaRPr lang="nl-BE"/>
           </a:p>
@@ -2702,7 +2788,7 @@
             <a:fld id="{C4DDCD72-59EE-436D-B435-201699A5BB49}" type="datetimeFigureOut">
               <a:rPr lang="nl-BE" smtClean="0"/>
               <a:pPr/>
-              <a:t>17/06/2017</a:t>
+              <a:t>18/06/2017</a:t>
             </a:fld>
             <a:endParaRPr lang="nl-BE"/>
           </a:p>
@@ -2799,7 +2885,7 @@
             <a:fld id="{C4DDCD72-59EE-436D-B435-201699A5BB49}" type="datetimeFigureOut">
               <a:rPr lang="nl-BE" smtClean="0"/>
               <a:pPr/>
-              <a:t>17/06/2017</a:t>
+              <a:t>18/06/2017</a:t>
             </a:fld>
             <a:endParaRPr lang="nl-BE"/>
           </a:p>
@@ -3085,7 +3171,7 @@
             <a:fld id="{C4DDCD72-59EE-436D-B435-201699A5BB49}" type="datetimeFigureOut">
               <a:rPr lang="nl-BE" smtClean="0"/>
               <a:pPr/>
-              <a:t>17/06/2017</a:t>
+              <a:t>18/06/2017</a:t>
             </a:fld>
             <a:endParaRPr lang="nl-BE"/>
           </a:p>
@@ -3351,7 +3437,7 @@
             <a:fld id="{C4DDCD72-59EE-436D-B435-201699A5BB49}" type="datetimeFigureOut">
               <a:rPr lang="nl-BE" smtClean="0"/>
               <a:pPr/>
-              <a:t>17/06/2017</a:t>
+              <a:t>18/06/2017</a:t>
             </a:fld>
             <a:endParaRPr lang="nl-BE" dirty="0"/>
           </a:p>
@@ -3832,7 +3918,7 @@
             <a:fld id="{C4DDCD72-59EE-436D-B435-201699A5BB49}" type="datetimeFigureOut">
               <a:rPr lang="nl-BE" smtClean="0"/>
               <a:pPr/>
-              <a:t>17/06/2017</a:t>
+              <a:t>18/06/2017</a:t>
             </a:fld>
             <a:endParaRPr lang="nl-BE" dirty="0"/>
           </a:p>
@@ -4022,7 +4108,7 @@
             <a:fld id="{C4DDCD72-59EE-436D-B435-201699A5BB49}" type="datetimeFigureOut">
               <a:rPr lang="nl-BE" smtClean="0"/>
               <a:pPr/>
-              <a:t>17/06/2017</a:t>
+              <a:t>18/06/2017</a:t>
             </a:fld>
             <a:endParaRPr lang="nl-BE" dirty="0"/>
           </a:p>
@@ -4722,7 +4808,7 @@
             <a:fld id="{C4DDCD72-59EE-436D-B435-201699A5BB49}" type="datetimeFigureOut">
               <a:rPr lang="nl-BE" smtClean="0"/>
               <a:pPr/>
-              <a:t>17/06/2017</a:t>
+              <a:t>18/06/2017</a:t>
             </a:fld>
             <a:endParaRPr lang="nl-BE"/>
           </a:p>
@@ -5165,7 +5251,7 @@
             <a:fld id="{C4DDCD72-59EE-436D-B435-201699A5BB49}" type="datetimeFigureOut">
               <a:rPr lang="nl-BE" smtClean="0"/>
               <a:pPr/>
-              <a:t>17/06/2017</a:t>
+              <a:t>18/06/2017</a:t>
             </a:fld>
             <a:endParaRPr lang="nl-BE"/>
           </a:p>
@@ -5289,7 +5375,7 @@
             <a:fld id="{C4DDCD72-59EE-436D-B435-201699A5BB49}" type="datetimeFigureOut">
               <a:rPr lang="nl-BE" smtClean="0"/>
               <a:pPr/>
-              <a:t>17/06/2017</a:t>
+              <a:t>18/06/2017</a:t>
             </a:fld>
             <a:endParaRPr lang="nl-BE"/>
           </a:p>
@@ -5386,7 +5472,7 @@
             <a:fld id="{C4DDCD72-59EE-436D-B435-201699A5BB49}" type="datetimeFigureOut">
               <a:rPr lang="nl-BE" smtClean="0"/>
               <a:pPr/>
-              <a:t>17/06/2017</a:t>
+              <a:t>18/06/2017</a:t>
             </a:fld>
             <a:endParaRPr lang="nl-BE"/>
           </a:p>
@@ -5672,7 +5758,7 @@
             <a:fld id="{C4DDCD72-59EE-436D-B435-201699A5BB49}" type="datetimeFigureOut">
               <a:rPr lang="nl-BE" smtClean="0"/>
               <a:pPr/>
-              <a:t>17/06/2017</a:t>
+              <a:t>18/06/2017</a:t>
             </a:fld>
             <a:endParaRPr lang="nl-BE"/>
           </a:p>
@@ -5982,7 +6068,7 @@
             <a:fld id="{C4DDCD72-59EE-436D-B435-201699A5BB49}" type="datetimeFigureOut">
               <a:rPr lang="nl-BE" smtClean="0"/>
               <a:pPr/>
-              <a:t>17/06/2017</a:t>
+              <a:t>18/06/2017</a:t>
             </a:fld>
             <a:endParaRPr lang="nl-BE" dirty="0"/>
           </a:p>
@@ -6515,7 +6601,7 @@
             <a:fld id="{C4DDCD72-59EE-436D-B435-201699A5BB49}" type="datetimeFigureOut">
               <a:rPr lang="nl-BE" smtClean="0"/>
               <a:pPr/>
-              <a:t>17/06/2017</a:t>
+              <a:t>18/06/2017</a:t>
             </a:fld>
             <a:endParaRPr lang="nl-BE"/>
           </a:p>
@@ -6958,7 +7044,7 @@
             <a:fld id="{C4DDCD72-59EE-436D-B435-201699A5BB49}" type="datetimeFigureOut">
               <a:rPr lang="nl-BE" smtClean="0"/>
               <a:pPr/>
-              <a:t>17/06/2017</a:t>
+              <a:t>18/06/2017</a:t>
             </a:fld>
             <a:endParaRPr lang="nl-BE"/>
           </a:p>
@@ -7082,7 +7168,7 @@
             <a:fld id="{C4DDCD72-59EE-436D-B435-201699A5BB49}" type="datetimeFigureOut">
               <a:rPr lang="nl-BE" smtClean="0"/>
               <a:pPr/>
-              <a:t>17/06/2017</a:t>
+              <a:t>18/06/2017</a:t>
             </a:fld>
             <a:endParaRPr lang="nl-BE"/>
           </a:p>
@@ -7179,7 +7265,7 @@
             <a:fld id="{C4DDCD72-59EE-436D-B435-201699A5BB49}" type="datetimeFigureOut">
               <a:rPr lang="nl-BE" smtClean="0"/>
               <a:pPr/>
-              <a:t>17/06/2017</a:t>
+              <a:t>18/06/2017</a:t>
             </a:fld>
             <a:endParaRPr lang="nl-BE"/>
           </a:p>
@@ -7465,7 +7551,7 @@
             <a:fld id="{C4DDCD72-59EE-436D-B435-201699A5BB49}" type="datetimeFigureOut">
               <a:rPr lang="nl-BE" smtClean="0"/>
               <a:pPr/>
-              <a:t>17/06/2017</a:t>
+              <a:t>18/06/2017</a:t>
             </a:fld>
             <a:endParaRPr lang="nl-BE"/>
           </a:p>
@@ -7731,7 +7817,7 @@
             <a:fld id="{C4DDCD72-59EE-436D-B435-201699A5BB49}" type="datetimeFigureOut">
               <a:rPr lang="nl-BE" smtClean="0"/>
               <a:pPr/>
-              <a:t>17/06/2017</a:t>
+              <a:t>18/06/2017</a:t>
             </a:fld>
             <a:endParaRPr lang="nl-BE" dirty="0"/>
           </a:p>
@@ -8003,7 +8089,7 @@
             <a:fld id="{C4DDCD72-59EE-436D-B435-201699A5BB49}" type="datetimeFigureOut">
               <a:rPr lang="nl-BE" smtClean="0"/>
               <a:pPr/>
-              <a:t>17/06/2017</a:t>
+              <a:t>18/06/2017</a:t>
             </a:fld>
             <a:endParaRPr lang="nl-BE" dirty="0"/>
           </a:p>
@@ -8546,7 +8632,7 @@
             <a:fld id="{C4DDCD72-59EE-436D-B435-201699A5BB49}" type="datetimeFigureOut">
               <a:rPr lang="nl-BE" smtClean="0"/>
               <a:pPr/>
-              <a:t>17/06/2017</a:t>
+              <a:t>18/06/2017</a:t>
             </a:fld>
             <a:endParaRPr lang="nl-BE" dirty="0"/>
           </a:p>
@@ -9202,7 +9288,7 @@
             <a:fld id="{C4DDCD72-59EE-436D-B435-201699A5BB49}" type="datetimeFigureOut">
               <a:rPr lang="nl-BE" smtClean="0"/>
               <a:pPr/>
-              <a:t>17/06/2017</a:t>
+              <a:t>18/06/2017</a:t>
             </a:fld>
             <a:endParaRPr lang="nl-BE" dirty="0"/>
           </a:p>
@@ -10185,14 +10271,21 @@
             <p:ph idx="1"/>
           </p:nvPr>
         </p:nvSpPr>
-        <p:spPr/>
-        <p:txBody>
-          <a:bodyPr/>
+        <p:spPr>
+          <a:xfrm>
+            <a:off x="540000" y="1349999"/>
+            <a:ext cx="8334000" cy="4599282"/>
+          </a:xfrm>
+        </p:spPr>
+        <p:txBody>
+          <a:bodyPr>
+            <a:normAutofit lnSpcReduction="10000"/>
+          </a:bodyPr>
           <a:lstStyle/>
           <a:p>
             <a:r>
               <a:rPr lang="nl-BE" dirty="0"/>
-              <a:t>Inlog service</a:t>
+              <a:t>Authenticatie service</a:t>
             </a:r>
           </a:p>
           <a:p>
@@ -10262,6 +10355,12 @@
               <a:rPr lang="nl-BE" dirty="0"/>
               <a:t>Google Datastore</a:t>
             </a:r>
+          </a:p>
+          <a:p>
+            <a:pPr marL="359637" lvl="1" indent="0">
+              <a:buNone/>
+            </a:pPr>
+            <a:endParaRPr lang="nl-BE" dirty="0"/>
           </a:p>
         </p:txBody>
       </p:sp>
@@ -10356,14 +10455,57 @@
             </a:r>
           </a:p>
           <a:p>
-            <a:pPr lvl="1"/>
-            <a:endParaRPr lang="nl-BE" dirty="0"/>
-          </a:p>
-          <a:p>
             <a:r>
               <a:rPr lang="nl-BE" dirty="0"/>
               <a:t>PHP Mailservice</a:t>
             </a:r>
+          </a:p>
+          <a:p>
+            <a:r>
+              <a:rPr lang="nl-BE" dirty="0"/>
+              <a:t>Haal gasprijzen</a:t>
+            </a:r>
+          </a:p>
+          <a:p>
+            <a:pPr lvl="1"/>
+            <a:r>
+              <a:rPr lang="nl-BE" dirty="0"/>
+              <a:t>Eigen service</a:t>
+            </a:r>
+          </a:p>
+          <a:p>
+            <a:pPr lvl="1"/>
+            <a:r>
+              <a:rPr lang="nl-BE" dirty="0" err="1"/>
+              <a:t>mySQL</a:t>
+            </a:r>
+            <a:r>
+              <a:rPr lang="nl-BE" dirty="0"/>
+              <a:t> Database</a:t>
+            </a:r>
+          </a:p>
+          <a:p>
+            <a:pPr lvl="1"/>
+            <a:r>
+              <a:rPr lang="nl-BE" dirty="0"/>
+              <a:t>PHP - SOAP</a:t>
+            </a:r>
+          </a:p>
+          <a:p>
+            <a:r>
+              <a:rPr lang="nl-BE" dirty="0"/>
+              <a:t>Bereken verwarmingsbron</a:t>
+            </a:r>
+          </a:p>
+          <a:p>
+            <a:pPr lvl="1"/>
+            <a:r>
+              <a:rPr lang="nl-BE" dirty="0"/>
+              <a:t>PHP – REST</a:t>
+            </a:r>
+          </a:p>
+          <a:p>
+            <a:endParaRPr lang="nl-BE" dirty="0"/>
           </a:p>
         </p:txBody>
       </p:sp>
@@ -10381,6 +10523,101 @@
 </file>
 
 <file path=ppt/slides/slide6.xml><?xml version="1.0" encoding="utf-8"?>
+<p:sld xmlns:a="http://schemas.openxmlformats.org/drawingml/2006/main" xmlns:r="http://schemas.openxmlformats.org/officeDocument/2006/relationships" xmlns:p="http://schemas.openxmlformats.org/presentationml/2006/main">
+  <p:cSld>
+    <p:spTree>
+      <p:nvGrpSpPr>
+        <p:cNvPr id="1" name=""/>
+        <p:cNvGrpSpPr/>
+        <p:nvPr/>
+      </p:nvGrpSpPr>
+      <p:grpSpPr>
+        <a:xfrm>
+          <a:off x="0" y="0"/>
+          <a:ext cx="0" cy="0"/>
+          <a:chOff x="0" y="0"/>
+          <a:chExt cx="0" cy="0"/>
+        </a:xfrm>
+      </p:grpSpPr>
+      <p:sp>
+        <p:nvSpPr>
+          <p:cNvPr id="2" name="Titel 1"/>
+          <p:cNvSpPr>
+            <a:spLocks noGrp="1"/>
+          </p:cNvSpPr>
+          <p:nvPr>
+            <p:ph type="title"/>
+          </p:nvPr>
+        </p:nvSpPr>
+        <p:spPr/>
+        <p:txBody>
+          <a:bodyPr/>
+          <a:lstStyle/>
+          <a:p>
+            <a:r>
+              <a:rPr lang="de-DE" dirty="0" err="1"/>
+              <a:t>Overzicht</a:t>
+            </a:r>
+            <a:endParaRPr lang="de-DE" dirty="0"/>
+          </a:p>
+        </p:txBody>
+      </p:sp>
+      <p:sp>
+        <p:nvSpPr>
+          <p:cNvPr id="3" name="Tijdelijke aanduiding voor inhoud 2"/>
+          <p:cNvSpPr>
+            <a:spLocks noGrp="1"/>
+          </p:cNvSpPr>
+          <p:nvPr>
+            <p:ph idx="1"/>
+          </p:nvPr>
+        </p:nvSpPr>
+        <p:spPr/>
+        <p:txBody>
+          <a:bodyPr/>
+          <a:lstStyle/>
+          <a:p>
+            <a:endParaRPr lang="de-DE"/>
+          </a:p>
+        </p:txBody>
+      </p:sp>
+      <p:pic>
+        <p:nvPicPr>
+          <p:cNvPr id="4" name="Afbeelding 3"/>
+          <p:cNvPicPr>
+            <a:picLocks noChangeAspect="1"/>
+          </p:cNvPicPr>
+          <p:nvPr/>
+        </p:nvPicPr>
+        <p:blipFill rotWithShape="1">
+          <a:blip r:embed="rId2"/>
+          <a:srcRect r="2953"/>
+          <a:stretch/>
+        </p:blipFill>
+        <p:spPr>
+          <a:xfrm>
+            <a:off x="107504" y="1303831"/>
+            <a:ext cx="8874000" cy="4558639"/>
+          </a:xfrm>
+          <a:prstGeom prst="rect">
+            <a:avLst/>
+          </a:prstGeom>
+        </p:spPr>
+      </p:pic>
+    </p:spTree>
+    <p:extLst>
+      <p:ext uri="{BB962C8B-B14F-4D97-AF65-F5344CB8AC3E}">
+        <p14:creationId xmlns:p14="http://schemas.microsoft.com/office/powerpoint/2010/main" val="2413633288"/>
+      </p:ext>
+    </p:extLst>
+  </p:cSld>
+  <p:clrMapOvr>
+    <a:masterClrMapping/>
+  </p:clrMapOvr>
+</p:sld>
+</file>
+
+<file path=ppt/slides/slide7.xml><?xml version="1.0" encoding="utf-8"?>
 <p:sld xmlns:a="http://schemas.openxmlformats.org/drawingml/2006/main" xmlns:r="http://schemas.openxmlformats.org/officeDocument/2006/relationships" xmlns:p="http://schemas.openxmlformats.org/presentationml/2006/main">
   <p:cSld>
     <p:spTree>

--- a/presentatie.pptx
+++ b/presentatie.pptx
@@ -10677,10 +10677,76 @@
               </a:rPr>
               <a:t>https://github.com/RobinMoons/soa</a:t>
             </a:r>
+            <a:endParaRPr lang="nl-BE" dirty="0"/>
+          </a:p>
+          <a:p>
+            <a:endParaRPr lang="nl-BE" dirty="0"/>
+          </a:p>
+          <a:p>
+            <a:r>
+              <a:rPr lang="nl-BE" dirty="0"/>
+              <a:t>Test gegevens:</a:t>
+            </a:r>
+          </a:p>
+          <a:p>
+            <a:pPr lvl="1"/>
+            <a:r>
+              <a:rPr lang="nl-BE" dirty="0"/>
+              <a:t>Nieuwe gebruiker aanmaken volgens procedure</a:t>
+            </a:r>
+          </a:p>
+          <a:p>
+            <a:pPr lvl="1"/>
+            <a:r>
+              <a:rPr lang="nl-BE" dirty="0" err="1"/>
+              <a:t>OpenWeatherMap</a:t>
+            </a:r>
+            <a:r>
+              <a:rPr lang="nl-BE" dirty="0"/>
+              <a:t> ID: </a:t>
+            </a:r>
+            <a:r>
+              <a:rPr lang="nl-BE" dirty="0"/>
+              <a:t>2803136</a:t>
+            </a:r>
+          </a:p>
+          <a:p>
+            <a:pPr lvl="1"/>
+            <a:r>
+              <a:rPr lang="nl-BE" dirty="0" err="1"/>
+              <a:t>EnergieService</a:t>
+            </a:r>
+            <a:r>
+              <a:rPr lang="nl-BE" dirty="0"/>
+              <a:t> ID: </a:t>
+            </a:r>
             <a:r>
               <a:rPr lang="nl-BE" dirty="0"/>
               <a:t> </a:t>
             </a:r>
+            <a:r>
+              <a:rPr lang="nl-BE" dirty="0"/>
+              <a:t>5717271485874176</a:t>
+            </a:r>
+          </a:p>
+          <a:p>
+            <a:pPr lvl="1"/>
+            <a:r>
+              <a:rPr lang="nl-BE" dirty="0"/>
+              <a:t>Stroomleverancier: Lampiris</a:t>
+            </a:r>
+          </a:p>
+          <a:p>
+            <a:pPr lvl="1"/>
+            <a:r>
+              <a:rPr lang="nl-BE" dirty="0"/>
+              <a:t>Gasleverancier</a:t>
+            </a:r>
+            <a:r>
+              <a:rPr lang="nl-BE"/>
+              <a:t>: Lampiris</a:t>
+            </a:r>
+            <a:endParaRPr lang="nl-BE" dirty="0"/>
           </a:p>
           <a:p>
             <a:endParaRPr lang="nl-BE" dirty="0"/>

--- a/presentatie.pptx
+++ b/presentatie.pptx
@@ -7,19 +7,20 @@
     <p:sldMasterId id="2147483720" r:id="rId3"/>
   </p:sldMasterIdLst>
   <p:notesMasterIdLst>
-    <p:notesMasterId r:id="rId11"/>
+    <p:notesMasterId r:id="rId12"/>
   </p:notesMasterIdLst>
   <p:handoutMasterIdLst>
-    <p:handoutMasterId r:id="rId12"/>
+    <p:handoutMasterId r:id="rId13"/>
   </p:handoutMasterIdLst>
   <p:sldIdLst>
     <p:sldId id="256" r:id="rId4"/>
     <p:sldId id="258" r:id="rId5"/>
     <p:sldId id="259" r:id="rId6"/>
     <p:sldId id="260" r:id="rId7"/>
-    <p:sldId id="261" r:id="rId8"/>
-    <p:sldId id="263" r:id="rId9"/>
-    <p:sldId id="262" r:id="rId10"/>
+    <p:sldId id="264" r:id="rId8"/>
+    <p:sldId id="261" r:id="rId9"/>
+    <p:sldId id="263" r:id="rId10"/>
+    <p:sldId id="262" r:id="rId11"/>
   </p:sldIdLst>
   <p:sldSz cx="9144000" cy="6858000" type="screen4x3"/>
   <p:notesSz cx="6858000" cy="9144000"/>
@@ -774,6 +775,91 @@
     <p:extLst>
       <p:ext uri="{BB962C8B-B14F-4D97-AF65-F5344CB8AC3E}">
         <p14:creationId xmlns:p14="http://schemas.microsoft.com/office/powerpoint/2010/main" val="4213307521"/>
+      </p:ext>
+    </p:extLst>
+  </p:cSld>
+  <p:clrMapOvr>
+    <a:masterClrMapping/>
+  </p:clrMapOvr>
+</p:notes>
+</file>
+
+<file path=ppt/notesSlides/notesSlide2.xml><?xml version="1.0" encoding="utf-8"?>
+<p:notes xmlns:a="http://schemas.openxmlformats.org/drawingml/2006/main" xmlns:r="http://schemas.openxmlformats.org/officeDocument/2006/relationships" xmlns:p="http://schemas.openxmlformats.org/presentationml/2006/main">
+  <p:cSld>
+    <p:spTree>
+      <p:nvGrpSpPr>
+        <p:cNvPr id="1" name=""/>
+        <p:cNvGrpSpPr/>
+        <p:nvPr/>
+      </p:nvGrpSpPr>
+      <p:grpSpPr>
+        <a:xfrm>
+          <a:off x="0" y="0"/>
+          <a:ext cx="0" cy="0"/>
+          <a:chOff x="0" y="0"/>
+          <a:chExt cx="0" cy="0"/>
+        </a:xfrm>
+      </p:grpSpPr>
+      <p:sp>
+        <p:nvSpPr>
+          <p:cNvPr id="2" name="Tijdelijke aanduiding voor dia-afbeelding 1"/>
+          <p:cNvSpPr>
+            <a:spLocks noGrp="1" noRot="1" noChangeAspect="1"/>
+          </p:cNvSpPr>
+          <p:nvPr>
+            <p:ph type="sldImg"/>
+          </p:nvPr>
+        </p:nvSpPr>
+        <p:spPr/>
+      </p:sp>
+      <p:sp>
+        <p:nvSpPr>
+          <p:cNvPr id="3" name="Tijdelijke aanduiding voor notities 2"/>
+          <p:cNvSpPr>
+            <a:spLocks noGrp="1"/>
+          </p:cNvSpPr>
+          <p:nvPr>
+            <p:ph type="body" idx="1"/>
+          </p:nvPr>
+        </p:nvSpPr>
+        <p:spPr/>
+        <p:txBody>
+          <a:bodyPr/>
+          <a:lstStyle/>
+          <a:p>
+            <a:endParaRPr lang="de-DE" dirty="0"/>
+          </a:p>
+        </p:txBody>
+      </p:sp>
+      <p:sp>
+        <p:nvSpPr>
+          <p:cNvPr id="4" name="Tijdelijke aanduiding voor dianummer 3"/>
+          <p:cNvSpPr>
+            <a:spLocks noGrp="1"/>
+          </p:cNvSpPr>
+          <p:nvPr>
+            <p:ph type="sldNum" sz="quarter" idx="10"/>
+          </p:nvPr>
+        </p:nvSpPr>
+        <p:spPr/>
+        <p:txBody>
+          <a:bodyPr/>
+          <a:lstStyle/>
+          <a:p>
+            <a:fld id="{17C257C2-8D60-4760-88CB-024AF3EEC641}" type="slidenum">
+              <a:rPr lang="nl-BE" smtClean="0"/>
+              <a:pPr/>
+              <a:t>5</a:t>
+            </a:fld>
+            <a:endParaRPr lang="nl-BE"/>
+          </a:p>
+        </p:txBody>
+      </p:sp>
+    </p:spTree>
+    <p:extLst>
+      <p:ext uri="{BB962C8B-B14F-4D97-AF65-F5344CB8AC3E}">
+        <p14:creationId xmlns:p14="http://schemas.microsoft.com/office/powerpoint/2010/main" val="2186698725"/>
       </p:ext>
     </p:extLst>
   </p:cSld>
@@ -10279,7 +10365,7 @@
         </p:spPr>
         <p:txBody>
           <a:bodyPr>
-            <a:normAutofit lnSpcReduction="10000"/>
+            <a:normAutofit/>
           </a:bodyPr>
           <a:lstStyle/>
           <a:p>
@@ -10310,6 +10396,10 @@
             </a:r>
           </a:p>
           <a:p>
+            <a:pPr lvl="1"/>
+            <a:endParaRPr lang="nl-BE" dirty="0"/>
+          </a:p>
+          <a:p>
             <a:r>
               <a:rPr lang="nl-BE" dirty="0"/>
               <a:t>Haal gebruikersgegevens</a:t>
@@ -10319,6 +10409,14 @@
             <a:pPr lvl="1"/>
             <a:r>
               <a:rPr lang="nl-BE" dirty="0"/>
+              <a:t>Eigen service</a:t>
+            </a:r>
+            <a:endParaRPr lang="nl-BE" dirty="0"/>
+          </a:p>
+          <a:p>
+            <a:pPr lvl="1"/>
+            <a:r>
+              <a:rPr lang="nl-BE" dirty="0"/>
               <a:t>PHP SOAP</a:t>
             </a:r>
           </a:p>
@@ -10330,31 +10428,10 @@
             </a:r>
           </a:p>
           <a:p>
-            <a:r>
-              <a:rPr lang="nl-BE" dirty="0"/>
-              <a:t>Haal energieprijzen </a:t>
-            </a:r>
-          </a:p>
-          <a:p>
-            <a:pPr lvl="1"/>
-            <a:r>
-              <a:rPr lang="nl-BE" dirty="0"/>
-              <a:t>Eigen service</a:t>
-            </a:r>
-          </a:p>
-          <a:p>
-            <a:pPr lvl="1"/>
-            <a:r>
-              <a:rPr lang="nl-BE" dirty="0"/>
-              <a:t>Java REST</a:t>
-            </a:r>
-          </a:p>
-          <a:p>
-            <a:pPr lvl="1"/>
-            <a:r>
-              <a:rPr lang="nl-BE" dirty="0"/>
-              <a:t>Google Datastore</a:t>
-            </a:r>
+            <a:pPr marL="359637" lvl="1" indent="0">
+              <a:buNone/>
+            </a:pPr>
+            <a:endParaRPr lang="nl-BE" dirty="0"/>
           </a:p>
           <a:p>
             <a:pPr marL="359637" lvl="1" indent="0">
@@ -10426,6 +10503,147 @@
             <p:ph idx="1"/>
           </p:nvPr>
         </p:nvSpPr>
+        <p:spPr>
+          <a:xfrm>
+            <a:off x="540000" y="1349999"/>
+            <a:ext cx="8334000" cy="4599282"/>
+          </a:xfrm>
+        </p:spPr>
+        <p:txBody>
+          <a:bodyPr>
+            <a:normAutofit lnSpcReduction="10000"/>
+          </a:bodyPr>
+          <a:lstStyle/>
+          <a:p>
+            <a:r>
+              <a:rPr lang="nl-BE" dirty="0"/>
+              <a:t>Haal stroomprijzen </a:t>
+            </a:r>
+          </a:p>
+          <a:p>
+            <a:pPr lvl="1"/>
+            <a:r>
+              <a:rPr lang="nl-BE" dirty="0"/>
+              <a:t>Eigen service</a:t>
+            </a:r>
+          </a:p>
+          <a:p>
+            <a:pPr lvl="1"/>
+            <a:r>
+              <a:rPr lang="nl-BE" dirty="0"/>
+              <a:t>Java REST</a:t>
+            </a:r>
+          </a:p>
+          <a:p>
+            <a:pPr lvl="1"/>
+            <a:r>
+              <a:rPr lang="nl-BE" dirty="0"/>
+              <a:t>Google Datastore</a:t>
+            </a:r>
+          </a:p>
+          <a:p>
+            <a:r>
+              <a:rPr lang="nl-BE" dirty="0"/>
+              <a:t>Haal gasprijzen</a:t>
+            </a:r>
+          </a:p>
+          <a:p>
+            <a:pPr lvl="1"/>
+            <a:r>
+              <a:rPr lang="nl-BE" dirty="0"/>
+              <a:t>Eigen service</a:t>
+            </a:r>
+          </a:p>
+          <a:p>
+            <a:pPr lvl="1"/>
+            <a:r>
+              <a:rPr lang="nl-BE" dirty="0"/>
+              <a:t>PHP - SOAP</a:t>
+            </a:r>
+          </a:p>
+          <a:p>
+            <a:pPr lvl="1"/>
+            <a:r>
+              <a:rPr lang="nl-BE" dirty="0" err="1"/>
+              <a:t>mySQL</a:t>
+            </a:r>
+            <a:r>
+              <a:rPr lang="nl-BE" dirty="0"/>
+              <a:t> Database</a:t>
+            </a:r>
+          </a:p>
+          <a:p>
+            <a:r>
+              <a:rPr lang="nl-BE" dirty="0"/>
+              <a:t>Haal weerberichten </a:t>
+            </a:r>
+          </a:p>
+          <a:p>
+            <a:pPr lvl="1"/>
+            <a:r>
+              <a:rPr lang="nl-BE" dirty="0"/>
+              <a:t>Yahoo API (REST)</a:t>
+            </a:r>
+          </a:p>
+          <a:p>
+            <a:pPr lvl="1"/>
+            <a:r>
+              <a:rPr lang="nl-BE" dirty="0" err="1"/>
+              <a:t>OpenWeatherMap</a:t>
+            </a:r>
+            <a:r>
+              <a:rPr lang="nl-BE" dirty="0"/>
+              <a:t> API (REST)</a:t>
+            </a:r>
+          </a:p>
+          <a:p>
+            <a:pPr marL="359637" lvl="1" indent="0">
+              <a:buNone/>
+            </a:pPr>
+            <a:endParaRPr lang="nl-BE" dirty="0"/>
+          </a:p>
+        </p:txBody>
+      </p:sp>
+    </p:spTree>
+    <p:extLst>
+      <p:ext uri="{BB962C8B-B14F-4D97-AF65-F5344CB8AC3E}">
+        <p14:creationId xmlns:p14="http://schemas.microsoft.com/office/powerpoint/2010/main" val="3156998991"/>
+      </p:ext>
+    </p:extLst>
+  </p:cSld>
+  <p:clrMapOvr>
+    <a:masterClrMapping/>
+  </p:clrMapOvr>
+</p:sld>
+</file>
+
+<file path=ppt/slides/slide6.xml><?xml version="1.0" encoding="utf-8"?>
+<p:sld xmlns:a="http://schemas.openxmlformats.org/drawingml/2006/main" xmlns:r="http://schemas.openxmlformats.org/officeDocument/2006/relationships" xmlns:p="http://schemas.openxmlformats.org/presentationml/2006/main">
+  <p:cSld>
+    <p:spTree>
+      <p:nvGrpSpPr>
+        <p:cNvPr id="1" name=""/>
+        <p:cNvGrpSpPr/>
+        <p:nvPr/>
+      </p:nvGrpSpPr>
+      <p:grpSpPr>
+        <a:xfrm>
+          <a:off x="0" y="0"/>
+          <a:ext cx="0" cy="0"/>
+          <a:chOff x="0" y="0"/>
+          <a:chExt cx="0" cy="0"/>
+        </a:xfrm>
+      </p:grpSpPr>
+      <p:sp>
+        <p:nvSpPr>
+          <p:cNvPr id="2" name="Titel 1"/>
+          <p:cNvSpPr>
+            <a:spLocks noGrp="1"/>
+          </p:cNvSpPr>
+          <p:nvPr>
+            <p:ph type="title"/>
+          </p:nvPr>
+        </p:nvSpPr>
         <p:spPr/>
         <p:txBody>
           <a:bodyPr/>
@@ -10433,26 +10651,52 @@
           <a:p>
             <a:r>
               <a:rPr lang="nl-BE" dirty="0"/>
-              <a:t>Haal weerberichten </a:t>
+              <a:t>Services	</a:t>
+            </a:r>
+          </a:p>
+        </p:txBody>
+      </p:sp>
+      <p:sp>
+        <p:nvSpPr>
+          <p:cNvPr id="3" name="Tijdelijke aanduiding voor inhoud 2"/>
+          <p:cNvSpPr>
+            <a:spLocks noGrp="1"/>
+          </p:cNvSpPr>
+          <p:nvPr>
+            <p:ph idx="1"/>
+          </p:nvPr>
+        </p:nvSpPr>
+        <p:spPr>
+          <a:xfrm>
+            <a:off x="540000" y="1349998"/>
+            <a:ext cx="8334000" cy="5175346"/>
+          </a:xfrm>
+        </p:spPr>
+        <p:txBody>
+          <a:bodyPr/>
+          <a:lstStyle/>
+          <a:p>
+            <a:r>
+              <a:rPr lang="nl-BE" dirty="0"/>
+              <a:t>Bereken verwarmingsbron</a:t>
             </a:r>
           </a:p>
           <a:p>
             <a:pPr lvl="1"/>
             <a:r>
               <a:rPr lang="nl-BE" dirty="0"/>
-              <a:t>Yahoo API (REST)</a:t>
+              <a:t>PHP – REST</a:t>
             </a:r>
           </a:p>
           <a:p>
             <a:pPr lvl="1"/>
             <a:r>
-              <a:rPr lang="nl-BE" dirty="0" err="1"/>
-              <a:t>OpenWeatherMap</a:t>
-            </a:r>
-            <a:r>
               <a:rPr lang="nl-BE" dirty="0"/>
-              <a:t> (REST)</a:t>
-            </a:r>
+              <a:t>Combinatie van de voorgaande services</a:t>
+            </a:r>
+          </a:p>
+          <a:p>
+            <a:endParaRPr lang="nl-BE" dirty="0"/>
           </a:p>
           <a:p>
             <a:r>
@@ -10461,47 +10705,10 @@
             </a:r>
           </a:p>
           <a:p>
+            <a:pPr lvl="1"/>
             <a:r>
               <a:rPr lang="nl-BE" dirty="0"/>
-              <a:t>Haal gasprijzen</a:t>
-            </a:r>
-          </a:p>
-          <a:p>
-            <a:pPr lvl="1"/>
-            <a:r>
-              <a:rPr lang="nl-BE" dirty="0"/>
-              <a:t>Eigen service</a:t>
-            </a:r>
-          </a:p>
-          <a:p>
-            <a:pPr lvl="1"/>
-            <a:r>
-              <a:rPr lang="nl-BE" dirty="0" err="1"/>
-              <a:t>mySQL</a:t>
-            </a:r>
-            <a:r>
-              <a:rPr lang="nl-BE" dirty="0"/>
-              <a:t> Database</a:t>
-            </a:r>
-          </a:p>
-          <a:p>
-            <a:pPr lvl="1"/>
-            <a:r>
-              <a:rPr lang="nl-BE" dirty="0"/>
-              <a:t>PHP - SOAP</a:t>
-            </a:r>
-          </a:p>
-          <a:p>
-            <a:r>
-              <a:rPr lang="nl-BE" dirty="0"/>
-              <a:t>Bereken verwarmingsbron</a:t>
-            </a:r>
-          </a:p>
-          <a:p>
-            <a:pPr lvl="1"/>
-            <a:r>
-              <a:rPr lang="nl-BE" dirty="0"/>
-              <a:t>PHP – REST</a:t>
+              <a:t>Contact &amp; wachtwoord vergeten</a:t>
             </a:r>
           </a:p>
           <a:p>
@@ -10522,7 +10729,7 @@
 </p:sld>
 </file>
 
-<file path=ppt/slides/slide6.xml><?xml version="1.0" encoding="utf-8"?>
+<file path=ppt/slides/slide7.xml><?xml version="1.0" encoding="utf-8"?>
 <p:sld xmlns:a="http://schemas.openxmlformats.org/drawingml/2006/main" xmlns:r="http://schemas.openxmlformats.org/officeDocument/2006/relationships" xmlns:p="http://schemas.openxmlformats.org/presentationml/2006/main">
   <p:cSld>
     <p:spTree>
@@ -10617,7 +10824,7 @@
 </p:sld>
 </file>
 
-<file path=ppt/slides/slide7.xml><?xml version="1.0" encoding="utf-8"?>
+<file path=ppt/slides/slide8.xml><?xml version="1.0" encoding="utf-8"?>
 <p:sld xmlns:a="http://schemas.openxmlformats.org/drawingml/2006/main" xmlns:r="http://schemas.openxmlformats.org/officeDocument/2006/relationships" xmlns:p="http://schemas.openxmlformats.org/presentationml/2006/main">
   <p:cSld>
     <p:spTree>
@@ -10703,11 +10910,7 @@
             </a:r>
             <a:r>
               <a:rPr lang="nl-BE" dirty="0"/>
-              <a:t> ID: </a:t>
-            </a:r>
-            <a:r>
-              <a:rPr lang="nl-BE" dirty="0"/>
-              <a:t>2803136</a:t>
+              <a:t> ID: 2803136</a:t>
             </a:r>
           </a:p>
           <a:p>
@@ -10718,15 +10921,7 @@
             </a:r>
             <a:r>
               <a:rPr lang="nl-BE" dirty="0"/>
-              <a:t> ID: </a:t>
-            </a:r>
-            <a:r>
-              <a:rPr lang="nl-BE" dirty="0"/>
-              <a:t> </a:t>
-            </a:r>
-            <a:r>
-              <a:rPr lang="nl-BE" dirty="0"/>
-              <a:t>5717271485874176</a:t>
+              <a:t> ID:  5717271485874176</a:t>
             </a:r>
           </a:p>
           <a:p>
